--- a/cs semina/06_Serogate-1.pptx
+++ b/cs semina/06_Serogate-1.pptx
@@ -5,22 +5,25 @@
     <p:sldMasterId id="2147483750" r:id="rId1"/>
   </p:sldMasterIdLst>
   <p:notesMasterIdLst>
-    <p:notesMasterId r:id="rId15"/>
+    <p:notesMasterId r:id="rId18"/>
   </p:notesMasterIdLst>
   <p:sldIdLst>
     <p:sldId id="256" r:id="rId2"/>
     <p:sldId id="264" r:id="rId3"/>
     <p:sldId id="265" r:id="rId4"/>
     <p:sldId id="266" r:id="rId5"/>
-    <p:sldId id="267" r:id="rId6"/>
-    <p:sldId id="268" r:id="rId7"/>
-    <p:sldId id="269" r:id="rId8"/>
-    <p:sldId id="270" r:id="rId9"/>
-    <p:sldId id="271" r:id="rId10"/>
-    <p:sldId id="272" r:id="rId11"/>
-    <p:sldId id="273" r:id="rId12"/>
-    <p:sldId id="263" r:id="rId13"/>
-    <p:sldId id="257" r:id="rId14"/>
+    <p:sldId id="274" r:id="rId6"/>
+    <p:sldId id="267" r:id="rId7"/>
+    <p:sldId id="268" r:id="rId8"/>
+    <p:sldId id="269" r:id="rId9"/>
+    <p:sldId id="270" r:id="rId10"/>
+    <p:sldId id="271" r:id="rId11"/>
+    <p:sldId id="275" r:id="rId12"/>
+    <p:sldId id="272" r:id="rId13"/>
+    <p:sldId id="273" r:id="rId14"/>
+    <p:sldId id="263" r:id="rId15"/>
+    <p:sldId id="276" r:id="rId16"/>
+    <p:sldId id="257" r:id="rId17"/>
   </p:sldIdLst>
   <p:sldSz cx="9144000" cy="6858000" type="screen4x3"/>
   <p:notesSz cx="6797675" cy="9874250"/>
@@ -4432,7 +4435,7 @@
           <p:cNvPr id="2" name="제목 1">
             <a:extLst>
               <a:ext uri="{FF2B5EF4-FFF2-40B4-BE49-F238E27FC236}">
-                <a16:creationId xmlns:a16="http://schemas.microsoft.com/office/drawing/2014/main" id="{F49BBA8B-7F43-B359-76C1-027F0E303D10}"/>
+                <a16:creationId xmlns:a16="http://schemas.microsoft.com/office/drawing/2014/main" id="{1DFA604B-52D8-7BB3-4C31-6545963519EC}"/>
               </a:ext>
             </a:extLst>
           </p:cNvPr>
@@ -4450,40 +4453,134 @@
           <a:p>
             <a:r>
               <a:rPr lang="ko-KR" altLang="en-US" dirty="0"/>
-              <a:t>세로게이 지도 학습 코드</a:t>
-            </a:r>
-          </a:p>
-        </p:txBody>
-      </p:sp>
-      <p:sp>
-        <p:nvSpPr>
-          <p:cNvPr id="3" name="내용 개체 틀 2">
+              <a:t>지도 학습 코드</a:t>
+            </a:r>
+          </a:p>
+        </p:txBody>
+      </p:sp>
+      <p:pic>
+        <p:nvPicPr>
+          <p:cNvPr id="5" name="내용 개체 틀 4">
             <a:extLst>
               <a:ext uri="{FF2B5EF4-FFF2-40B4-BE49-F238E27FC236}">
-                <a16:creationId xmlns:a16="http://schemas.microsoft.com/office/drawing/2014/main" id="{81BC03E4-1DEB-C3DA-123A-448129F3B0B6}"/>
+                <a16:creationId xmlns:a16="http://schemas.microsoft.com/office/drawing/2014/main" id="{5B94ADA8-4D2C-19A3-5C5A-44380F1DB54A}"/>
               </a:ext>
             </a:extLst>
           </p:cNvPr>
-          <p:cNvSpPr>
-            <a:spLocks noGrp="1"/>
-          </p:cNvSpPr>
+          <p:cNvPicPr>
+            <a:picLocks noGrp="1" noChangeAspect="1"/>
+          </p:cNvPicPr>
           <p:nvPr>
             <p:ph idx="1"/>
           </p:nvPr>
-        </p:nvSpPr>
-        <p:spPr/>
-        <p:txBody>
-          <a:bodyPr/>
-          <a:lstStyle/>
-          <a:p>
-            <a:endParaRPr lang="ko-KR" altLang="en-US"/>
-          </a:p>
-        </p:txBody>
-      </p:sp>
+        </p:nvPicPr>
+        <p:blipFill>
+          <a:blip r:embed="rId2"/>
+          <a:stretch>
+            <a:fillRect/>
+          </a:stretch>
+        </p:blipFill>
+        <p:spPr>
+          <a:xfrm>
+            <a:off x="755650" y="1124744"/>
+            <a:ext cx="5328518" cy="3174990"/>
+          </a:xfrm>
+        </p:spPr>
+      </p:pic>
+      <p:pic>
+        <p:nvPicPr>
+          <p:cNvPr id="7" name="그림 6">
+            <a:extLst>
+              <a:ext uri="{FF2B5EF4-FFF2-40B4-BE49-F238E27FC236}">
+                <a16:creationId xmlns:a16="http://schemas.microsoft.com/office/drawing/2014/main" id="{221877C6-51D8-F694-46DF-3AE8FF078531}"/>
+              </a:ext>
+            </a:extLst>
+          </p:cNvPr>
+          <p:cNvPicPr>
+            <a:picLocks noChangeAspect="1"/>
+          </p:cNvPicPr>
+          <p:nvPr/>
+        </p:nvPicPr>
+        <p:blipFill>
+          <a:blip r:embed="rId3"/>
+          <a:stretch>
+            <a:fillRect/>
+          </a:stretch>
+        </p:blipFill>
+        <p:spPr>
+          <a:xfrm>
+            <a:off x="3203848" y="1988840"/>
+            <a:ext cx="5534797" cy="2981741"/>
+          </a:xfrm>
+          <a:prstGeom prst="rect">
+            <a:avLst/>
+          </a:prstGeom>
+        </p:spPr>
+      </p:pic>
+      <p:pic>
+        <p:nvPicPr>
+          <p:cNvPr id="9" name="그림 8">
+            <a:extLst>
+              <a:ext uri="{FF2B5EF4-FFF2-40B4-BE49-F238E27FC236}">
+                <a16:creationId xmlns:a16="http://schemas.microsoft.com/office/drawing/2014/main" id="{AA776195-F5F4-F4D5-3A2C-7D673C555E77}"/>
+              </a:ext>
+            </a:extLst>
+          </p:cNvPr>
+          <p:cNvPicPr>
+            <a:picLocks noChangeAspect="1"/>
+          </p:cNvPicPr>
+          <p:nvPr/>
+        </p:nvPicPr>
+        <p:blipFill>
+          <a:blip r:embed="rId4"/>
+          <a:stretch>
+            <a:fillRect/>
+          </a:stretch>
+        </p:blipFill>
+        <p:spPr>
+          <a:xfrm>
+            <a:off x="757740" y="5013747"/>
+            <a:ext cx="3991532" cy="1810003"/>
+          </a:xfrm>
+          <a:prstGeom prst="rect">
+            <a:avLst/>
+          </a:prstGeom>
+        </p:spPr>
+      </p:pic>
+      <p:pic>
+        <p:nvPicPr>
+          <p:cNvPr id="11" name="그림 10">
+            <a:extLst>
+              <a:ext uri="{FF2B5EF4-FFF2-40B4-BE49-F238E27FC236}">
+                <a16:creationId xmlns:a16="http://schemas.microsoft.com/office/drawing/2014/main" id="{EA90533A-71AD-A43B-D9BE-8B9DB223E9EC}"/>
+              </a:ext>
+            </a:extLst>
+          </p:cNvPr>
+          <p:cNvPicPr>
+            <a:picLocks noChangeAspect="1"/>
+          </p:cNvPicPr>
+          <p:nvPr/>
+        </p:nvPicPr>
+        <p:blipFill>
+          <a:blip r:embed="rId5"/>
+          <a:stretch>
+            <a:fillRect/>
+          </a:stretch>
+        </p:blipFill>
+        <p:spPr>
+          <a:xfrm>
+            <a:off x="4816902" y="4970581"/>
+            <a:ext cx="2549759" cy="1887419"/>
+          </a:xfrm>
+          <a:prstGeom prst="rect">
+            <a:avLst/>
+          </a:prstGeom>
+        </p:spPr>
+      </p:pic>
     </p:spTree>
     <p:extLst>
       <p:ext uri="{BB962C8B-B14F-4D97-AF65-F5344CB8AC3E}">
-        <p14:creationId xmlns:p14="http://schemas.microsoft.com/office/powerpoint/2010/main" val="462696135"/>
+        <p14:creationId xmlns:p14="http://schemas.microsoft.com/office/powerpoint/2010/main" val="2316514195"/>
       </p:ext>
     </p:extLst>
   </p:cSld>
@@ -4515,7 +4612,7 @@
           <p:cNvPr id="2" name="제목 1">
             <a:extLst>
               <a:ext uri="{FF2B5EF4-FFF2-40B4-BE49-F238E27FC236}">
-                <a16:creationId xmlns:a16="http://schemas.microsoft.com/office/drawing/2014/main" id="{F3CB1F38-F749-5607-52A8-453A815EAAD6}"/>
+                <a16:creationId xmlns:a16="http://schemas.microsoft.com/office/drawing/2014/main" id="{1DFA604B-52D8-7BB3-4C31-6545963519EC}"/>
               </a:ext>
             </a:extLst>
           </p:cNvPr>
@@ -4533,40 +4630,158 @@
           <a:p>
             <a:r>
               <a:rPr lang="ko-KR" altLang="en-US" dirty="0"/>
-              <a:t>두 결과 비교</a:t>
-            </a:r>
-          </a:p>
-        </p:txBody>
-      </p:sp>
-      <p:sp>
-        <p:nvSpPr>
-          <p:cNvPr id="3" name="내용 개체 틀 2">
+              <a:t>지도 학습 코드 결과</a:t>
+            </a:r>
+          </a:p>
+        </p:txBody>
+      </p:sp>
+      <p:pic>
+        <p:nvPicPr>
+          <p:cNvPr id="14" name="내용 개체 틀 13">
             <a:extLst>
               <a:ext uri="{FF2B5EF4-FFF2-40B4-BE49-F238E27FC236}">
-                <a16:creationId xmlns:a16="http://schemas.microsoft.com/office/drawing/2014/main" id="{8FBCF418-0442-E9F0-2DD8-80E4320CD7E8}"/>
+                <a16:creationId xmlns:a16="http://schemas.microsoft.com/office/drawing/2014/main" id="{F1FE31CC-4B48-3E77-4C88-90015D06ADFE}"/>
               </a:ext>
             </a:extLst>
           </p:cNvPr>
-          <p:cNvSpPr>
-            <a:spLocks noGrp="1"/>
-          </p:cNvSpPr>
+          <p:cNvPicPr>
+            <a:picLocks noGrp="1" noChangeAspect="1"/>
+          </p:cNvPicPr>
           <p:nvPr>
             <p:ph idx="1"/>
           </p:nvPr>
-        </p:nvSpPr>
-        <p:spPr/>
-        <p:txBody>
-          <a:bodyPr/>
+        </p:nvPicPr>
+        <p:blipFill>
+          <a:blip r:embed="rId2"/>
+          <a:stretch>
+            <a:fillRect/>
+          </a:stretch>
+        </p:blipFill>
+        <p:spPr>
+          <a:xfrm>
+            <a:off x="1157279" y="1052513"/>
+            <a:ext cx="7334266" cy="5272087"/>
+          </a:xfrm>
+        </p:spPr>
+      </p:pic>
+      <p:pic>
+        <p:nvPicPr>
+          <p:cNvPr id="12" name="그림 11">
+            <a:extLst>
+              <a:ext uri="{FF2B5EF4-FFF2-40B4-BE49-F238E27FC236}">
+                <a16:creationId xmlns:a16="http://schemas.microsoft.com/office/drawing/2014/main" id="{6ECC5578-F791-DA86-BFBB-7C4EC48C23CE}"/>
+              </a:ext>
+            </a:extLst>
+          </p:cNvPr>
+          <p:cNvPicPr>
+            <a:picLocks noChangeAspect="1"/>
+          </p:cNvPicPr>
+          <p:nvPr/>
+        </p:nvPicPr>
+        <p:blipFill>
+          <a:blip r:embed="rId3"/>
+          <a:stretch>
+            <a:fillRect/>
+          </a:stretch>
+        </p:blipFill>
+        <p:spPr>
+          <a:xfrm>
+            <a:off x="5076056" y="1988840"/>
+            <a:ext cx="3703561" cy="2664296"/>
+          </a:xfrm>
+          <a:prstGeom prst="rect">
+            <a:avLst/>
+          </a:prstGeom>
+        </p:spPr>
+      </p:pic>
+      <p:pic>
+        <p:nvPicPr>
+          <p:cNvPr id="16" name="그림 15">
+            <a:extLst>
+              <a:ext uri="{FF2B5EF4-FFF2-40B4-BE49-F238E27FC236}">
+                <a16:creationId xmlns:a16="http://schemas.microsoft.com/office/drawing/2014/main" id="{EE620367-A5E5-DAF2-E013-B07AB1F28DAE}"/>
+              </a:ext>
+            </a:extLst>
+          </p:cNvPr>
+          <p:cNvPicPr>
+            <a:picLocks noChangeAspect="1"/>
+          </p:cNvPicPr>
+          <p:nvPr/>
+        </p:nvPicPr>
+        <p:blipFill>
+          <a:blip r:embed="rId4"/>
+          <a:stretch>
+            <a:fillRect/>
+          </a:stretch>
+        </p:blipFill>
+        <p:spPr>
+          <a:xfrm>
+            <a:off x="5091431" y="4665409"/>
+            <a:ext cx="2743583" cy="924054"/>
+          </a:xfrm>
+          <a:prstGeom prst="rect">
+            <a:avLst/>
+          </a:prstGeom>
+        </p:spPr>
+      </p:pic>
+      <p:sp>
+        <p:nvSpPr>
+          <p:cNvPr id="17" name="TextBox 16">
+            <a:extLst>
+              <a:ext uri="{FF2B5EF4-FFF2-40B4-BE49-F238E27FC236}">
+                <a16:creationId xmlns:a16="http://schemas.microsoft.com/office/drawing/2014/main" id="{C8CAE8E2-9BA9-2A56-ED86-CA66E1509262}"/>
+              </a:ext>
+            </a:extLst>
+          </p:cNvPr>
+          <p:cNvSpPr txBox="1"/>
+          <p:nvPr/>
+        </p:nvSpPr>
+        <p:spPr>
+          <a:xfrm>
+            <a:off x="3347864" y="6324600"/>
+            <a:ext cx="5006499" cy="584775"/>
+          </a:xfrm>
+          <a:prstGeom prst="rect">
+            <a:avLst/>
+          </a:prstGeom>
+          <a:noFill/>
+        </p:spPr>
+        <p:txBody>
+          <a:bodyPr wrap="none" rtlCol="0">
+            <a:spAutoFit/>
+          </a:bodyPr>
           <a:lstStyle/>
           <a:p>
-            <a:endParaRPr lang="ko-KR" altLang="en-US"/>
+            <a:r>
+              <a:rPr lang="ko-KR" altLang="en-US" sz="1600" dirty="0"/>
+              <a:t>은닉 유닛의 </a:t>
+            </a:r>
+            <a:r>
+              <a:rPr lang="ko-KR" altLang="en-US" sz="1600" dirty="0" err="1"/>
+              <a:t>임계값</a:t>
+            </a:r>
+            <a:r>
+              <a:rPr lang="ko-KR" altLang="en-US" sz="1600" dirty="0"/>
+              <a:t> 교차점을 제외하면 모두 도함수가</a:t>
+            </a:r>
+            <a:endParaRPr lang="en-US" altLang="ko-KR" sz="1600" dirty="0"/>
+          </a:p>
+          <a:p>
+            <a:r>
+              <a:rPr lang="en-US" altLang="ko-KR" sz="1600" dirty="0"/>
+              <a:t>0</a:t>
+            </a:r>
+            <a:r>
+              <a:rPr lang="ko-KR" altLang="en-US" sz="1600" dirty="0"/>
+              <a:t>이기 때문에 가중치가 잘 수정되지 않는 문제 발생</a:t>
+            </a:r>
           </a:p>
         </p:txBody>
       </p:sp>
     </p:spTree>
     <p:extLst>
       <p:ext uri="{BB962C8B-B14F-4D97-AF65-F5344CB8AC3E}">
-        <p14:creationId xmlns:p14="http://schemas.microsoft.com/office/powerpoint/2010/main" val="4196171798"/>
+        <p14:creationId xmlns:p14="http://schemas.microsoft.com/office/powerpoint/2010/main" val="2177349458"/>
       </p:ext>
     </p:extLst>
   </p:cSld>
@@ -4598,6 +4813,327 @@
           <p:cNvPr id="2" name="제목 1">
             <a:extLst>
               <a:ext uri="{FF2B5EF4-FFF2-40B4-BE49-F238E27FC236}">
+                <a16:creationId xmlns:a16="http://schemas.microsoft.com/office/drawing/2014/main" id="{F49BBA8B-7F43-B359-76C1-027F0E303D10}"/>
+              </a:ext>
+            </a:extLst>
+          </p:cNvPr>
+          <p:cNvSpPr>
+            <a:spLocks noGrp="1"/>
+          </p:cNvSpPr>
+          <p:nvPr>
+            <p:ph type="title"/>
+          </p:nvPr>
+        </p:nvSpPr>
+        <p:spPr/>
+        <p:txBody>
+          <a:bodyPr/>
+          <a:lstStyle/>
+          <a:p>
+            <a:r>
+              <a:rPr lang="ko-KR" altLang="en-US" dirty="0"/>
+              <a:t>세로게이 지도 학습 코드</a:t>
+            </a:r>
+          </a:p>
+        </p:txBody>
+      </p:sp>
+      <p:pic>
+        <p:nvPicPr>
+          <p:cNvPr id="5" name="내용 개체 틀 4">
+            <a:extLst>
+              <a:ext uri="{FF2B5EF4-FFF2-40B4-BE49-F238E27FC236}">
+                <a16:creationId xmlns:a16="http://schemas.microsoft.com/office/drawing/2014/main" id="{359C2DF4-9AA2-40A1-2F58-5D3282397CF4}"/>
+              </a:ext>
+            </a:extLst>
+          </p:cNvPr>
+          <p:cNvPicPr>
+            <a:picLocks noGrp="1" noChangeAspect="1"/>
+          </p:cNvPicPr>
+          <p:nvPr>
+            <p:ph idx="1"/>
+          </p:nvPr>
+        </p:nvPicPr>
+        <p:blipFill>
+          <a:blip r:embed="rId2"/>
+          <a:stretch>
+            <a:fillRect/>
+          </a:stretch>
+        </p:blipFill>
+        <p:spPr>
+          <a:xfrm>
+            <a:off x="751458" y="1052736"/>
+            <a:ext cx="6689475" cy="5272087"/>
+          </a:xfrm>
+        </p:spPr>
+      </p:pic>
+      <p:pic>
+        <p:nvPicPr>
+          <p:cNvPr id="9" name="그림 8">
+            <a:extLst>
+              <a:ext uri="{FF2B5EF4-FFF2-40B4-BE49-F238E27FC236}">
+                <a16:creationId xmlns:a16="http://schemas.microsoft.com/office/drawing/2014/main" id="{40144A7B-7114-E236-9C71-F3643A181219}"/>
+              </a:ext>
+            </a:extLst>
+          </p:cNvPr>
+          <p:cNvPicPr>
+            <a:picLocks noChangeAspect="1"/>
+          </p:cNvPicPr>
+          <p:nvPr/>
+        </p:nvPicPr>
+        <p:blipFill>
+          <a:blip r:embed="rId3"/>
+          <a:stretch>
+            <a:fillRect/>
+          </a:stretch>
+        </p:blipFill>
+        <p:spPr>
+          <a:xfrm>
+            <a:off x="5803704" y="3238501"/>
+            <a:ext cx="3293897" cy="1558651"/>
+          </a:xfrm>
+          <a:prstGeom prst="rect">
+            <a:avLst/>
+          </a:prstGeom>
+        </p:spPr>
+      </p:pic>
+    </p:spTree>
+    <p:extLst>
+      <p:ext uri="{BB962C8B-B14F-4D97-AF65-F5344CB8AC3E}">
+        <p14:creationId xmlns:p14="http://schemas.microsoft.com/office/powerpoint/2010/main" val="462696135"/>
+      </p:ext>
+    </p:extLst>
+  </p:cSld>
+  <p:clrMapOvr>
+    <a:masterClrMapping/>
+  </p:clrMapOvr>
+</p:sld>
+</file>
+
+<file path=ppt/slides/slide13.xml><?xml version="1.0" encoding="utf-8"?>
+<p:sld xmlns:a="http://schemas.openxmlformats.org/drawingml/2006/main" xmlns:r="http://schemas.openxmlformats.org/officeDocument/2006/relationships" xmlns:p="http://schemas.openxmlformats.org/presentationml/2006/main">
+  <p:cSld>
+    <p:spTree>
+      <p:nvGrpSpPr>
+        <p:cNvPr id="1" name=""/>
+        <p:cNvGrpSpPr/>
+        <p:nvPr/>
+      </p:nvGrpSpPr>
+      <p:grpSpPr>
+        <a:xfrm>
+          <a:off x="0" y="0"/>
+          <a:ext cx="0" cy="0"/>
+          <a:chOff x="0" y="0"/>
+          <a:chExt cx="0" cy="0"/>
+        </a:xfrm>
+      </p:grpSpPr>
+      <p:sp>
+        <p:nvSpPr>
+          <p:cNvPr id="2" name="제목 1">
+            <a:extLst>
+              <a:ext uri="{FF2B5EF4-FFF2-40B4-BE49-F238E27FC236}">
+                <a16:creationId xmlns:a16="http://schemas.microsoft.com/office/drawing/2014/main" id="{F3CB1F38-F749-5607-52A8-453A815EAAD6}"/>
+              </a:ext>
+            </a:extLst>
+          </p:cNvPr>
+          <p:cNvSpPr>
+            <a:spLocks noGrp="1"/>
+          </p:cNvSpPr>
+          <p:nvPr>
+            <p:ph type="title"/>
+          </p:nvPr>
+        </p:nvSpPr>
+        <p:spPr/>
+        <p:txBody>
+          <a:bodyPr/>
+          <a:lstStyle/>
+          <a:p>
+            <a:r>
+              <a:rPr lang="ko-KR" altLang="en-US" dirty="0"/>
+              <a:t>두 결과 비교</a:t>
+            </a:r>
+          </a:p>
+        </p:txBody>
+      </p:sp>
+      <p:pic>
+        <p:nvPicPr>
+          <p:cNvPr id="7" name="내용 개체 틀 6">
+            <a:extLst>
+              <a:ext uri="{FF2B5EF4-FFF2-40B4-BE49-F238E27FC236}">
+                <a16:creationId xmlns:a16="http://schemas.microsoft.com/office/drawing/2014/main" id="{8A942D2C-7B69-0638-79C0-FFE097C60758}"/>
+              </a:ext>
+            </a:extLst>
+          </p:cNvPr>
+          <p:cNvPicPr>
+            <a:picLocks noGrp="1" noChangeAspect="1"/>
+          </p:cNvPicPr>
+          <p:nvPr>
+            <p:ph idx="1"/>
+          </p:nvPr>
+        </p:nvPicPr>
+        <p:blipFill>
+          <a:blip r:embed="rId2"/>
+          <a:stretch>
+            <a:fillRect/>
+          </a:stretch>
+        </p:blipFill>
+        <p:spPr>
+          <a:xfrm>
+            <a:off x="755650" y="1124744"/>
+            <a:ext cx="4629796" cy="3038899"/>
+          </a:xfrm>
+          <a:prstGeom prst="rect">
+            <a:avLst/>
+          </a:prstGeom>
+        </p:spPr>
+      </p:pic>
+      <p:sp>
+        <p:nvSpPr>
+          <p:cNvPr id="4" name="TextBox 3">
+            <a:extLst>
+              <a:ext uri="{FF2B5EF4-FFF2-40B4-BE49-F238E27FC236}">
+                <a16:creationId xmlns:a16="http://schemas.microsoft.com/office/drawing/2014/main" id="{45D73A7C-894C-126D-697B-4DE5F212901E}"/>
+              </a:ext>
+            </a:extLst>
+          </p:cNvPr>
+          <p:cNvSpPr txBox="1"/>
+          <p:nvPr/>
+        </p:nvSpPr>
+        <p:spPr>
+          <a:xfrm>
+            <a:off x="1115616" y="4167413"/>
+            <a:ext cx="5006499" cy="584775"/>
+          </a:xfrm>
+          <a:prstGeom prst="rect">
+            <a:avLst/>
+          </a:prstGeom>
+          <a:noFill/>
+        </p:spPr>
+        <p:txBody>
+          <a:bodyPr wrap="none" rtlCol="0">
+            <a:spAutoFit/>
+          </a:bodyPr>
+          <a:lstStyle/>
+          <a:p>
+            <a:r>
+              <a:rPr lang="ko-KR" altLang="en-US" sz="1600" dirty="0"/>
+              <a:t>은닉 유닛의 </a:t>
+            </a:r>
+            <a:r>
+              <a:rPr lang="ko-KR" altLang="en-US" sz="1600" dirty="0" err="1"/>
+              <a:t>임계값</a:t>
+            </a:r>
+            <a:r>
+              <a:rPr lang="ko-KR" altLang="en-US" sz="1600" dirty="0"/>
+              <a:t> 교차점을 제외하면 모두 도함수가</a:t>
+            </a:r>
+            <a:endParaRPr lang="en-US" altLang="ko-KR" sz="1600" dirty="0"/>
+          </a:p>
+          <a:p>
+            <a:r>
+              <a:rPr lang="en-US" altLang="ko-KR" sz="1600" dirty="0"/>
+              <a:t>0</a:t>
+            </a:r>
+            <a:r>
+              <a:rPr lang="ko-KR" altLang="en-US" sz="1600" dirty="0"/>
+              <a:t>이기 때문에 가중치가 잘 수정되지 않는 문제 해결</a:t>
+            </a:r>
+          </a:p>
+        </p:txBody>
+      </p:sp>
+      <p:pic>
+        <p:nvPicPr>
+          <p:cNvPr id="5" name="그림 4">
+            <a:extLst>
+              <a:ext uri="{FF2B5EF4-FFF2-40B4-BE49-F238E27FC236}">
+                <a16:creationId xmlns:a16="http://schemas.microsoft.com/office/drawing/2014/main" id="{D3A606F6-49B8-D104-056E-5912BDEBACF7}"/>
+              </a:ext>
+            </a:extLst>
+          </p:cNvPr>
+          <p:cNvPicPr>
+            <a:picLocks noChangeAspect="1"/>
+          </p:cNvPicPr>
+          <p:nvPr/>
+        </p:nvPicPr>
+        <p:blipFill>
+          <a:blip r:embed="rId3"/>
+          <a:stretch>
+            <a:fillRect/>
+          </a:stretch>
+        </p:blipFill>
+        <p:spPr>
+          <a:xfrm>
+            <a:off x="1115616" y="4941168"/>
+            <a:ext cx="2743583" cy="924054"/>
+          </a:xfrm>
+          <a:prstGeom prst="rect">
+            <a:avLst/>
+          </a:prstGeom>
+        </p:spPr>
+      </p:pic>
+      <p:pic>
+        <p:nvPicPr>
+          <p:cNvPr id="6" name="그림 5">
+            <a:extLst>
+              <a:ext uri="{FF2B5EF4-FFF2-40B4-BE49-F238E27FC236}">
+                <a16:creationId xmlns:a16="http://schemas.microsoft.com/office/drawing/2014/main" id="{93B85F0B-1833-ACFB-48D8-7168CE79845D}"/>
+              </a:ext>
+            </a:extLst>
+          </p:cNvPr>
+          <p:cNvPicPr>
+            <a:picLocks noChangeAspect="1"/>
+          </p:cNvPicPr>
+          <p:nvPr/>
+        </p:nvPicPr>
+        <p:blipFill>
+          <a:blip r:embed="rId4"/>
+          <a:stretch>
+            <a:fillRect/>
+          </a:stretch>
+        </p:blipFill>
+        <p:spPr>
+          <a:xfrm>
+            <a:off x="4427984" y="4941168"/>
+            <a:ext cx="3293897" cy="1558651"/>
+          </a:xfrm>
+          <a:prstGeom prst="rect">
+            <a:avLst/>
+          </a:prstGeom>
+        </p:spPr>
+      </p:pic>
+    </p:spTree>
+    <p:extLst>
+      <p:ext uri="{BB962C8B-B14F-4D97-AF65-F5344CB8AC3E}">
+        <p14:creationId xmlns:p14="http://schemas.microsoft.com/office/powerpoint/2010/main" val="4196171798"/>
+      </p:ext>
+    </p:extLst>
+  </p:cSld>
+  <p:clrMapOvr>
+    <a:masterClrMapping/>
+  </p:clrMapOvr>
+</p:sld>
+</file>
+
+<file path=ppt/slides/slide14.xml><?xml version="1.0" encoding="utf-8"?>
+<p:sld xmlns:a="http://schemas.openxmlformats.org/drawingml/2006/main" xmlns:r="http://schemas.openxmlformats.org/officeDocument/2006/relationships" xmlns:p="http://schemas.openxmlformats.org/presentationml/2006/main">
+  <p:cSld>
+    <p:spTree>
+      <p:nvGrpSpPr>
+        <p:cNvPr id="1" name=""/>
+        <p:cNvGrpSpPr/>
+        <p:nvPr/>
+      </p:nvGrpSpPr>
+      <p:grpSpPr>
+        <a:xfrm>
+          <a:off x="0" y="0"/>
+          <a:ext cx="0" cy="0"/>
+          <a:chOff x="0" y="0"/>
+          <a:chExt cx="0" cy="0"/>
+        </a:xfrm>
+      </p:grpSpPr>
+      <p:sp>
+        <p:nvSpPr>
+          <p:cNvPr id="2" name="제목 1">
+            <a:extLst>
+              <a:ext uri="{FF2B5EF4-FFF2-40B4-BE49-F238E27FC236}">
                 <a16:creationId xmlns:a16="http://schemas.microsoft.com/office/drawing/2014/main" id="{B5B38CA8-1DBB-19A9-5388-43784186D2A6}"/>
               </a:ext>
             </a:extLst>
@@ -4680,7 +5216,15 @@
             </a:r>
             <a:r>
               <a:rPr lang="en-US" altLang="ko-KR" sz="2400" dirty="0"/>
-              <a:t>SNN Brian2 </a:t>
+              <a:t>SNN </a:t>
+            </a:r>
+            <a:r>
+              <a:rPr lang="en-US" altLang="ko-KR" sz="2400" dirty="0" err="1"/>
+              <a:t>Serogate</a:t>
+            </a:r>
+            <a:r>
+              <a:rPr lang="en-US" altLang="ko-KR" sz="2400" dirty="0"/>
+              <a:t> </a:t>
             </a:r>
             <a:r>
               <a:rPr lang="ko-KR" altLang="en-US" sz="2400" dirty="0"/>
@@ -4742,7 +5286,150 @@
 </p:sld>
 </file>
 
-<file path=ppt/slides/slide13.xml><?xml version="1.0" encoding="utf-8"?>
+<file path=ppt/slides/slide15.xml><?xml version="1.0" encoding="utf-8"?>
+<p:sld xmlns:a="http://schemas.openxmlformats.org/drawingml/2006/main" xmlns:r="http://schemas.openxmlformats.org/officeDocument/2006/relationships" xmlns:p="http://schemas.openxmlformats.org/presentationml/2006/main">
+  <p:cSld>
+    <p:spTree>
+      <p:nvGrpSpPr>
+        <p:cNvPr id="1" name=""/>
+        <p:cNvGrpSpPr/>
+        <p:nvPr/>
+      </p:nvGrpSpPr>
+      <p:grpSpPr>
+        <a:xfrm>
+          <a:off x="0" y="0"/>
+          <a:ext cx="0" cy="0"/>
+          <a:chOff x="0" y="0"/>
+          <a:chExt cx="0" cy="0"/>
+        </a:xfrm>
+      </p:grpSpPr>
+      <p:sp>
+        <p:nvSpPr>
+          <p:cNvPr id="2" name="제목 1">
+            <a:extLst>
+              <a:ext uri="{FF2B5EF4-FFF2-40B4-BE49-F238E27FC236}">
+                <a16:creationId xmlns:a16="http://schemas.microsoft.com/office/drawing/2014/main" id="{DE13192A-0324-3F04-F571-E78D2012125E}"/>
+              </a:ext>
+            </a:extLst>
+          </p:cNvPr>
+          <p:cNvSpPr>
+            <a:spLocks noGrp="1"/>
+          </p:cNvSpPr>
+          <p:nvPr>
+            <p:ph type="title"/>
+          </p:nvPr>
+        </p:nvSpPr>
+        <p:spPr/>
+        <p:txBody>
+          <a:bodyPr/>
+          <a:lstStyle/>
+          <a:p>
+            <a:r>
+              <a:rPr lang="en-US" altLang="ko-KR" dirty="0"/>
+              <a:t>CS RL Study</a:t>
+            </a:r>
+            <a:endParaRPr lang="ko-KR" altLang="en-US" dirty="0"/>
+          </a:p>
+        </p:txBody>
+      </p:sp>
+      <p:sp>
+        <p:nvSpPr>
+          <p:cNvPr id="3" name="내용 개체 틀 2">
+            <a:extLst>
+              <a:ext uri="{FF2B5EF4-FFF2-40B4-BE49-F238E27FC236}">
+                <a16:creationId xmlns:a16="http://schemas.microsoft.com/office/drawing/2014/main" id="{40D759C4-493D-0BA9-B553-57B3E0517164}"/>
+              </a:ext>
+            </a:extLst>
+          </p:cNvPr>
+          <p:cNvSpPr>
+            <a:spLocks noGrp="1"/>
+          </p:cNvSpPr>
+          <p:nvPr>
+            <p:ph idx="1"/>
+          </p:nvPr>
+        </p:nvSpPr>
+        <p:spPr/>
+        <p:txBody>
+          <a:bodyPr/>
+          <a:lstStyle/>
+          <a:p>
+            <a:r>
+              <a:rPr lang="ko-KR" altLang="en-US" dirty="0"/>
+              <a:t>멘토</a:t>
+            </a:r>
+            <a:r>
+              <a:rPr lang="en-US" altLang="ko-KR" dirty="0"/>
+              <a:t>: </a:t>
+            </a:r>
+            <a:r>
+              <a:rPr lang="ko-KR" altLang="en-US" dirty="0"/>
+              <a:t>이인규</a:t>
+            </a:r>
+            <a:endParaRPr lang="en-US" altLang="ko-KR" dirty="0"/>
+          </a:p>
+          <a:p>
+            <a:r>
+              <a:rPr lang="ko-KR" altLang="en-US" dirty="0"/>
+              <a:t>멘티</a:t>
+            </a:r>
+            <a:r>
+              <a:rPr lang="en-US" altLang="ko-KR" dirty="0"/>
+              <a:t>: </a:t>
+            </a:r>
+            <a:r>
+              <a:rPr lang="ko-KR" altLang="en-US" dirty="0"/>
+              <a:t>홍지민</a:t>
+            </a:r>
+            <a:r>
+              <a:rPr lang="en-US" altLang="ko-KR" dirty="0"/>
+              <a:t>, </a:t>
+            </a:r>
+            <a:r>
+              <a:rPr lang="ko-KR" altLang="en-US" dirty="0"/>
+              <a:t>이은정</a:t>
+            </a:r>
+            <a:endParaRPr lang="en-US" altLang="ko-KR" dirty="0"/>
+          </a:p>
+          <a:p>
+            <a:r>
+              <a:rPr lang="ko-KR" altLang="en-US" dirty="0"/>
+              <a:t>매주 돌아가면서 스터디 내용 발표</a:t>
+            </a:r>
+            <a:endParaRPr lang="en-US" altLang="ko-KR" dirty="0"/>
+          </a:p>
+          <a:p>
+            <a:endParaRPr lang="en-US" altLang="ko-KR" dirty="0"/>
+          </a:p>
+          <a:p>
+            <a:r>
+              <a:rPr lang="ko-KR" altLang="en-US" dirty="0"/>
+              <a:t>현재 진도</a:t>
+            </a:r>
+            <a:r>
+              <a:rPr lang="en-US" altLang="ko-KR" dirty="0"/>
+              <a:t>: MDP </a:t>
+            </a:r>
+            <a:r>
+              <a:rPr lang="ko-KR" altLang="en-US" dirty="0"/>
+              <a:t>진행 중</a:t>
+            </a:r>
+          </a:p>
+        </p:txBody>
+      </p:sp>
+    </p:spTree>
+    <p:extLst>
+      <p:ext uri="{BB962C8B-B14F-4D97-AF65-F5344CB8AC3E}">
+        <p14:creationId xmlns:p14="http://schemas.microsoft.com/office/powerpoint/2010/main" val="192465375"/>
+      </p:ext>
+    </p:extLst>
+  </p:cSld>
+  <p:clrMapOvr>
+    <a:masterClrMapping/>
+  </p:clrMapOvr>
+</p:sld>
+</file>
+
+<file path=ppt/slides/slide16.xml><?xml version="1.0" encoding="utf-8"?>
 <p:sld xmlns:a="http://schemas.openxmlformats.org/drawingml/2006/main" xmlns:r="http://schemas.openxmlformats.org/officeDocument/2006/relationships" xmlns:p="http://schemas.openxmlformats.org/presentationml/2006/main">
   <p:cSld>
     <p:spTree>
@@ -4878,12 +5565,8 @@
           <a:p>
             <a:pPr lvl="1"/>
             <a:r>
-              <a:rPr lang="ko-KR" altLang="en-US" dirty="0" err="1"/>
-              <a:t>가중치값</a:t>
-            </a:r>
-            <a:r>
               <a:rPr lang="ko-KR" altLang="en-US" dirty="0"/>
-              <a:t> 초기화</a:t>
+              <a:t>가중치 값 초기화</a:t>
             </a:r>
             <a:endParaRPr lang="en-US" altLang="ko-KR" dirty="0"/>
           </a:p>
@@ -4994,31 +5677,95 @@
           </a:p>
         </p:txBody>
       </p:sp>
-      <p:sp>
-        <p:nvSpPr>
-          <p:cNvPr id="3" name="내용 개체 틀 2">
+      <p:pic>
+        <p:nvPicPr>
+          <p:cNvPr id="5" name="내용 개체 틀 4">
             <a:extLst>
               <a:ext uri="{FF2B5EF4-FFF2-40B4-BE49-F238E27FC236}">
-                <a16:creationId xmlns:a16="http://schemas.microsoft.com/office/drawing/2014/main" id="{3C3D00B0-4932-4BA9-13FB-ECB9579A504C}"/>
+                <a16:creationId xmlns:a16="http://schemas.microsoft.com/office/drawing/2014/main" id="{960EF595-583C-4564-DFC9-6516EAA4C9EB}"/>
               </a:ext>
             </a:extLst>
           </p:cNvPr>
-          <p:cNvSpPr>
-            <a:spLocks noGrp="1"/>
-          </p:cNvSpPr>
+          <p:cNvPicPr>
+            <a:picLocks noGrp="1" noChangeAspect="1"/>
+          </p:cNvPicPr>
           <p:nvPr>
             <p:ph idx="1"/>
           </p:nvPr>
-        </p:nvSpPr>
-        <p:spPr/>
-        <p:txBody>
-          <a:bodyPr/>
-          <a:lstStyle/>
-          <a:p>
-            <a:endParaRPr lang="ko-KR" altLang="en-US" dirty="0"/>
-          </a:p>
-        </p:txBody>
-      </p:sp>
+        </p:nvPicPr>
+        <p:blipFill>
+          <a:blip r:embed="rId2"/>
+          <a:stretch>
+            <a:fillRect/>
+          </a:stretch>
+        </p:blipFill>
+        <p:spPr>
+          <a:xfrm>
+            <a:off x="755650" y="1124744"/>
+            <a:ext cx="3115110" cy="1476581"/>
+          </a:xfrm>
+        </p:spPr>
+      </p:pic>
+      <p:pic>
+        <p:nvPicPr>
+          <p:cNvPr id="7" name="그림 6">
+            <a:extLst>
+              <a:ext uri="{FF2B5EF4-FFF2-40B4-BE49-F238E27FC236}">
+                <a16:creationId xmlns:a16="http://schemas.microsoft.com/office/drawing/2014/main" id="{490256AD-2F46-9CA4-7B02-AF84CEE0C237}"/>
+              </a:ext>
+            </a:extLst>
+          </p:cNvPr>
+          <p:cNvPicPr>
+            <a:picLocks noChangeAspect="1"/>
+          </p:cNvPicPr>
+          <p:nvPr/>
+        </p:nvPicPr>
+        <p:blipFill>
+          <a:blip r:embed="rId3"/>
+          <a:stretch>
+            <a:fillRect/>
+          </a:stretch>
+        </p:blipFill>
+        <p:spPr>
+          <a:xfrm>
+            <a:off x="755650" y="2574061"/>
+            <a:ext cx="5249008" cy="781159"/>
+          </a:xfrm>
+          <a:prstGeom prst="rect">
+            <a:avLst/>
+          </a:prstGeom>
+        </p:spPr>
+      </p:pic>
+      <p:pic>
+        <p:nvPicPr>
+          <p:cNvPr id="9" name="그림 8">
+            <a:extLst>
+              <a:ext uri="{FF2B5EF4-FFF2-40B4-BE49-F238E27FC236}">
+                <a16:creationId xmlns:a16="http://schemas.microsoft.com/office/drawing/2014/main" id="{631BBE5F-D8C5-CD33-15EA-F34875EAD29D}"/>
+              </a:ext>
+            </a:extLst>
+          </p:cNvPr>
+          <p:cNvPicPr>
+            <a:picLocks noChangeAspect="1"/>
+          </p:cNvPicPr>
+          <p:nvPr/>
+        </p:nvPicPr>
+        <p:blipFill>
+          <a:blip r:embed="rId4"/>
+          <a:stretch>
+            <a:fillRect/>
+          </a:stretch>
+        </p:blipFill>
+        <p:spPr>
+          <a:xfrm>
+            <a:off x="752844" y="3355220"/>
+            <a:ext cx="3648584" cy="600159"/>
+          </a:xfrm>
+          <a:prstGeom prst="rect">
+            <a:avLst/>
+          </a:prstGeom>
+        </p:spPr>
+      </p:pic>
     </p:spTree>
     <p:extLst>
       <p:ext uri="{BB962C8B-B14F-4D97-AF65-F5344CB8AC3E}">
@@ -5077,31 +5824,95 @@
           </a:p>
         </p:txBody>
       </p:sp>
-      <p:sp>
-        <p:nvSpPr>
-          <p:cNvPr id="3" name="내용 개체 틀 2">
+      <p:pic>
+        <p:nvPicPr>
+          <p:cNvPr id="9" name="내용 개체 틀 8">
             <a:extLst>
               <a:ext uri="{FF2B5EF4-FFF2-40B4-BE49-F238E27FC236}">
-                <a16:creationId xmlns:a16="http://schemas.microsoft.com/office/drawing/2014/main" id="{5C5505DD-2162-1DCD-4068-05B50B5E23AC}"/>
+                <a16:creationId xmlns:a16="http://schemas.microsoft.com/office/drawing/2014/main" id="{103CA176-5A23-3D99-77C2-B95EA7690181}"/>
               </a:ext>
             </a:extLst>
           </p:cNvPr>
-          <p:cNvSpPr>
-            <a:spLocks noGrp="1"/>
-          </p:cNvSpPr>
+          <p:cNvPicPr>
+            <a:picLocks noGrp="1" noChangeAspect="1"/>
+          </p:cNvPicPr>
           <p:nvPr>
             <p:ph idx="1"/>
           </p:nvPr>
-        </p:nvSpPr>
-        <p:spPr/>
-        <p:txBody>
-          <a:bodyPr/>
-          <a:lstStyle/>
-          <a:p>
-            <a:endParaRPr lang="ko-KR" altLang="en-US"/>
-          </a:p>
-        </p:txBody>
-      </p:sp>
+        </p:nvPicPr>
+        <p:blipFill>
+          <a:blip r:embed="rId2"/>
+          <a:stretch>
+            <a:fillRect/>
+          </a:stretch>
+        </p:blipFill>
+        <p:spPr>
+          <a:xfrm>
+            <a:off x="755650" y="1052736"/>
+            <a:ext cx="7544853" cy="3038899"/>
+          </a:xfrm>
+        </p:spPr>
+      </p:pic>
+      <p:pic>
+        <p:nvPicPr>
+          <p:cNvPr id="11" name="그림 10">
+            <a:extLst>
+              <a:ext uri="{FF2B5EF4-FFF2-40B4-BE49-F238E27FC236}">
+                <a16:creationId xmlns:a16="http://schemas.microsoft.com/office/drawing/2014/main" id="{4F17C254-9628-4556-456C-6419D6CB14A8}"/>
+              </a:ext>
+            </a:extLst>
+          </p:cNvPr>
+          <p:cNvPicPr>
+            <a:picLocks noChangeAspect="1"/>
+          </p:cNvPicPr>
+          <p:nvPr/>
+        </p:nvPicPr>
+        <p:blipFill>
+          <a:blip r:embed="rId3"/>
+          <a:stretch>
+            <a:fillRect/>
+          </a:stretch>
+        </p:blipFill>
+        <p:spPr>
+          <a:xfrm>
+            <a:off x="743111" y="4099516"/>
+            <a:ext cx="4506346" cy="1201692"/>
+          </a:xfrm>
+          <a:prstGeom prst="rect">
+            <a:avLst/>
+          </a:prstGeom>
+        </p:spPr>
+      </p:pic>
+      <p:pic>
+        <p:nvPicPr>
+          <p:cNvPr id="15" name="그림 14">
+            <a:extLst>
+              <a:ext uri="{FF2B5EF4-FFF2-40B4-BE49-F238E27FC236}">
+                <a16:creationId xmlns:a16="http://schemas.microsoft.com/office/drawing/2014/main" id="{48EB814F-BD8E-6270-01AB-161B079B43E0}"/>
+              </a:ext>
+            </a:extLst>
+          </p:cNvPr>
+          <p:cNvPicPr>
+            <a:picLocks noChangeAspect="1"/>
+          </p:cNvPicPr>
+          <p:nvPr/>
+        </p:nvPicPr>
+        <p:blipFill>
+          <a:blip r:embed="rId4"/>
+          <a:stretch>
+            <a:fillRect/>
+          </a:stretch>
+        </p:blipFill>
+        <p:spPr>
+          <a:xfrm>
+            <a:off x="5238309" y="4086791"/>
+            <a:ext cx="3062194" cy="2375652"/>
+          </a:xfrm>
+          <a:prstGeom prst="rect">
+            <a:avLst/>
+          </a:prstGeom>
+        </p:spPr>
+      </p:pic>
     </p:spTree>
     <p:extLst>
       <p:ext uri="{BB962C8B-B14F-4D97-AF65-F5344CB8AC3E}">
@@ -5137,7 +5948,7 @@
           <p:cNvPr id="2" name="제목 1">
             <a:extLst>
               <a:ext uri="{FF2B5EF4-FFF2-40B4-BE49-F238E27FC236}">
-                <a16:creationId xmlns:a16="http://schemas.microsoft.com/office/drawing/2014/main" id="{0EAB2130-F4CA-046C-84A4-6F1F151BD0E4}"/>
+                <a16:creationId xmlns:a16="http://schemas.microsoft.com/office/drawing/2014/main" id="{70EA233C-77D2-A20F-5027-3DEDD92BDC1C}"/>
               </a:ext>
             </a:extLst>
           </p:cNvPr>
@@ -5154,45 +5965,76 @@
           <a:lstStyle/>
           <a:p>
             <a:r>
-              <a:rPr lang="ko-KR" altLang="en-US" dirty="0" err="1"/>
-              <a:t>하이퍼</a:t>
-            </a:r>
-            <a:r>
               <a:rPr lang="ko-KR" altLang="en-US" dirty="0"/>
-              <a:t> 파라미터 생성</a:t>
-            </a:r>
-          </a:p>
-        </p:txBody>
-      </p:sp>
-      <p:sp>
-        <p:nvSpPr>
-          <p:cNvPr id="3" name="내용 개체 틀 2">
+              <a:t>생성된 학습 데이터 검증</a:t>
+            </a:r>
+          </a:p>
+        </p:txBody>
+      </p:sp>
+      <p:pic>
+        <p:nvPicPr>
+          <p:cNvPr id="6" name="그림 5">
             <a:extLst>
               <a:ext uri="{FF2B5EF4-FFF2-40B4-BE49-F238E27FC236}">
-                <a16:creationId xmlns:a16="http://schemas.microsoft.com/office/drawing/2014/main" id="{04BFA8C6-BCF0-C635-2A51-D82DF8F4EA1D}"/>
+                <a16:creationId xmlns:a16="http://schemas.microsoft.com/office/drawing/2014/main" id="{9D9914ED-10A7-F2DF-DB43-D2147DD09300}"/>
               </a:ext>
             </a:extLst>
           </p:cNvPr>
-          <p:cNvSpPr>
-            <a:spLocks noGrp="1"/>
-          </p:cNvSpPr>
-          <p:nvPr>
-            <p:ph idx="1"/>
-          </p:nvPr>
-        </p:nvSpPr>
-        <p:spPr/>
-        <p:txBody>
-          <a:bodyPr/>
-          <a:lstStyle/>
-          <a:p>
-            <a:endParaRPr lang="ko-KR" altLang="en-US"/>
-          </a:p>
-        </p:txBody>
-      </p:sp>
+          <p:cNvPicPr>
+            <a:picLocks noChangeAspect="1"/>
+          </p:cNvPicPr>
+          <p:nvPr/>
+        </p:nvPicPr>
+        <p:blipFill>
+          <a:blip r:embed="rId2"/>
+          <a:stretch>
+            <a:fillRect/>
+          </a:stretch>
+        </p:blipFill>
+        <p:spPr>
+          <a:xfrm>
+            <a:off x="751441" y="1052736"/>
+            <a:ext cx="7535327" cy="1476581"/>
+          </a:xfrm>
+          <a:prstGeom prst="rect">
+            <a:avLst/>
+          </a:prstGeom>
+        </p:spPr>
+      </p:pic>
+      <p:pic>
+        <p:nvPicPr>
+          <p:cNvPr id="8" name="그림 7">
+            <a:extLst>
+              <a:ext uri="{FF2B5EF4-FFF2-40B4-BE49-F238E27FC236}">
+                <a16:creationId xmlns:a16="http://schemas.microsoft.com/office/drawing/2014/main" id="{AD3A3765-01AF-CA53-D219-365CFDE1A031}"/>
+              </a:ext>
+            </a:extLst>
+          </p:cNvPr>
+          <p:cNvPicPr>
+            <a:picLocks noChangeAspect="1"/>
+          </p:cNvPicPr>
+          <p:nvPr/>
+        </p:nvPicPr>
+        <p:blipFill>
+          <a:blip r:embed="rId3"/>
+          <a:stretch>
+            <a:fillRect/>
+          </a:stretch>
+        </p:blipFill>
+        <p:spPr>
+          <a:xfrm>
+            <a:off x="751441" y="2529316"/>
+            <a:ext cx="6477948" cy="611651"/>
+          </a:xfrm>
+          <a:prstGeom prst="rect">
+            <a:avLst/>
+          </a:prstGeom>
+        </p:spPr>
+      </p:pic>
     </p:spTree>
     <p:extLst>
       <p:ext uri="{BB962C8B-B14F-4D97-AF65-F5344CB8AC3E}">
-        <p14:creationId xmlns:p14="http://schemas.microsoft.com/office/powerpoint/2010/main" val="2130692356"/>
+        <p14:creationId xmlns:p14="http://schemas.microsoft.com/office/powerpoint/2010/main" val="360332518"/>
       </p:ext>
     </p:extLst>
   </p:cSld>
@@ -5224,7 +6066,7 @@
           <p:cNvPr id="2" name="제목 1">
             <a:extLst>
               <a:ext uri="{FF2B5EF4-FFF2-40B4-BE49-F238E27FC236}">
-                <a16:creationId xmlns:a16="http://schemas.microsoft.com/office/drawing/2014/main" id="{6046E393-2588-003E-B4C3-C9028A7B3174}"/>
+                <a16:creationId xmlns:a16="http://schemas.microsoft.com/office/drawing/2014/main" id="{0EAB2130-F4CA-046C-84A4-6F1F151BD0E4}"/>
               </a:ext>
             </a:extLst>
           </p:cNvPr>
@@ -5242,44 +6084,48 @@
           <a:p>
             <a:r>
               <a:rPr lang="ko-KR" altLang="en-US" dirty="0" err="1"/>
-              <a:t>가중치값</a:t>
+              <a:t>하이퍼</a:t>
             </a:r>
             <a:r>
               <a:rPr lang="ko-KR" altLang="en-US" dirty="0"/>
-              <a:t> 초기화</a:t>
-            </a:r>
-          </a:p>
-        </p:txBody>
-      </p:sp>
-      <p:sp>
-        <p:nvSpPr>
-          <p:cNvPr id="3" name="내용 개체 틀 2">
+              <a:t> 파라미터 생성</a:t>
+            </a:r>
+          </a:p>
+        </p:txBody>
+      </p:sp>
+      <p:pic>
+        <p:nvPicPr>
+          <p:cNvPr id="5" name="내용 개체 틀 4">
             <a:extLst>
               <a:ext uri="{FF2B5EF4-FFF2-40B4-BE49-F238E27FC236}">
-                <a16:creationId xmlns:a16="http://schemas.microsoft.com/office/drawing/2014/main" id="{BEB50D5C-9701-F69F-8EB0-1A2634B9AFD5}"/>
+                <a16:creationId xmlns:a16="http://schemas.microsoft.com/office/drawing/2014/main" id="{CF9A3E6E-3D15-30DC-2FCB-653898FEFF32}"/>
               </a:ext>
             </a:extLst>
           </p:cNvPr>
-          <p:cNvSpPr>
-            <a:spLocks noGrp="1"/>
-          </p:cNvSpPr>
+          <p:cNvPicPr>
+            <a:picLocks noGrp="1" noChangeAspect="1"/>
+          </p:cNvPicPr>
           <p:nvPr>
             <p:ph idx="1"/>
           </p:nvPr>
-        </p:nvSpPr>
-        <p:spPr/>
-        <p:txBody>
-          <a:bodyPr/>
-          <a:lstStyle/>
-          <a:p>
-            <a:endParaRPr lang="ko-KR" altLang="en-US"/>
-          </a:p>
-        </p:txBody>
-      </p:sp>
+        </p:nvPicPr>
+        <p:blipFill>
+          <a:blip r:embed="rId2"/>
+          <a:stretch>
+            <a:fillRect/>
+          </a:stretch>
+        </p:blipFill>
+        <p:spPr>
+          <a:xfrm>
+            <a:off x="755650" y="1052736"/>
+            <a:ext cx="6935360" cy="1728192"/>
+          </a:xfrm>
+        </p:spPr>
+      </p:pic>
     </p:spTree>
     <p:extLst>
       <p:ext uri="{BB962C8B-B14F-4D97-AF65-F5344CB8AC3E}">
-        <p14:creationId xmlns:p14="http://schemas.microsoft.com/office/powerpoint/2010/main" val="2492315494"/>
+        <p14:creationId xmlns:p14="http://schemas.microsoft.com/office/powerpoint/2010/main" val="2130692356"/>
       </p:ext>
     </p:extLst>
   </p:cSld>
@@ -5311,7 +6157,7 @@
           <p:cNvPr id="2" name="제목 1">
             <a:extLst>
               <a:ext uri="{FF2B5EF4-FFF2-40B4-BE49-F238E27FC236}">
-                <a16:creationId xmlns:a16="http://schemas.microsoft.com/office/drawing/2014/main" id="{520148DD-9CAE-1815-378D-4750E1106ECE}"/>
+                <a16:creationId xmlns:a16="http://schemas.microsoft.com/office/drawing/2014/main" id="{6046E393-2588-003E-B4C3-C9028A7B3174}"/>
               </a:ext>
             </a:extLst>
           </p:cNvPr>
@@ -5329,40 +6175,74 @@
           <a:p>
             <a:r>
               <a:rPr lang="ko-KR" altLang="en-US" dirty="0"/>
-              <a:t>스파이크 함수 설정</a:t>
-            </a:r>
-          </a:p>
-        </p:txBody>
-      </p:sp>
-      <p:sp>
-        <p:nvSpPr>
-          <p:cNvPr id="3" name="내용 개체 틀 2">
+              <a:t>가중치 값 초기화</a:t>
+            </a:r>
+          </a:p>
+        </p:txBody>
+      </p:sp>
+      <p:pic>
+        <p:nvPicPr>
+          <p:cNvPr id="5" name="내용 개체 틀 4">
             <a:extLst>
               <a:ext uri="{FF2B5EF4-FFF2-40B4-BE49-F238E27FC236}">
-                <a16:creationId xmlns:a16="http://schemas.microsoft.com/office/drawing/2014/main" id="{57AA7291-0E74-8A9B-C826-9E52C76EBE0E}"/>
+                <a16:creationId xmlns:a16="http://schemas.microsoft.com/office/drawing/2014/main" id="{084762FC-64AC-CBDE-DC08-31DB7569CAAC}"/>
               </a:ext>
             </a:extLst>
           </p:cNvPr>
-          <p:cNvSpPr>
-            <a:spLocks noGrp="1"/>
-          </p:cNvSpPr>
+          <p:cNvPicPr>
+            <a:picLocks noGrp="1" noChangeAspect="1"/>
+          </p:cNvPicPr>
           <p:nvPr>
             <p:ph idx="1"/>
           </p:nvPr>
-        </p:nvSpPr>
-        <p:spPr/>
-        <p:txBody>
-          <a:bodyPr/>
-          <a:lstStyle/>
-          <a:p>
-            <a:endParaRPr lang="ko-KR" altLang="en-US"/>
-          </a:p>
-        </p:txBody>
-      </p:sp>
+        </p:nvPicPr>
+        <p:blipFill>
+          <a:blip r:embed="rId2"/>
+          <a:stretch>
+            <a:fillRect/>
+          </a:stretch>
+        </p:blipFill>
+        <p:spPr>
+          <a:xfrm>
+            <a:off x="755650" y="1052736"/>
+            <a:ext cx="7754432" cy="2619741"/>
+          </a:xfrm>
+        </p:spPr>
+      </p:pic>
+      <p:pic>
+        <p:nvPicPr>
+          <p:cNvPr id="7" name="그림 6">
+            <a:extLst>
+              <a:ext uri="{FF2B5EF4-FFF2-40B4-BE49-F238E27FC236}">
+                <a16:creationId xmlns:a16="http://schemas.microsoft.com/office/drawing/2014/main" id="{1A2E8EC8-5F5A-B47E-8AEA-F043FCB7C6BE}"/>
+              </a:ext>
+            </a:extLst>
+          </p:cNvPr>
+          <p:cNvPicPr>
+            <a:picLocks noChangeAspect="1"/>
+          </p:cNvPicPr>
+          <p:nvPr/>
+        </p:nvPicPr>
+        <p:blipFill>
+          <a:blip r:embed="rId3"/>
+          <a:stretch>
+            <a:fillRect/>
+          </a:stretch>
+        </p:blipFill>
+        <p:spPr>
+          <a:xfrm>
+            <a:off x="755650" y="3672476"/>
+            <a:ext cx="3168278" cy="1056093"/>
+          </a:xfrm>
+          <a:prstGeom prst="rect">
+            <a:avLst/>
+          </a:prstGeom>
+        </p:spPr>
+      </p:pic>
     </p:spTree>
     <p:extLst>
       <p:ext uri="{BB962C8B-B14F-4D97-AF65-F5344CB8AC3E}">
-        <p14:creationId xmlns:p14="http://schemas.microsoft.com/office/powerpoint/2010/main" val="1503626571"/>
+        <p14:creationId xmlns:p14="http://schemas.microsoft.com/office/powerpoint/2010/main" val="2492315494"/>
       </p:ext>
     </p:extLst>
   </p:cSld>
@@ -5394,7 +6274,7 @@
           <p:cNvPr id="2" name="제목 1">
             <a:extLst>
               <a:ext uri="{FF2B5EF4-FFF2-40B4-BE49-F238E27FC236}">
-                <a16:creationId xmlns:a16="http://schemas.microsoft.com/office/drawing/2014/main" id="{43234F2B-8FBE-B940-A8C5-8837FFECBC43}"/>
+                <a16:creationId xmlns:a16="http://schemas.microsoft.com/office/drawing/2014/main" id="{520148DD-9CAE-1815-378D-4750E1106ECE}"/>
               </a:ext>
             </a:extLst>
           </p:cNvPr>
@@ -5411,49 +6291,45 @@
           <a:lstStyle/>
           <a:p>
             <a:r>
-              <a:rPr lang="ko-KR" altLang="en-US" sz="3200" dirty="0" err="1"/>
-              <a:t>막전위</a:t>
-            </a:r>
-            <a:r>
-              <a:rPr lang="en-US" altLang="ko-KR" sz="3200" dirty="0"/>
-              <a:t>, </a:t>
-            </a:r>
-            <a:r>
-              <a:rPr lang="ko-KR" altLang="en-US" sz="3200" dirty="0"/>
-              <a:t>스파이크 시뮬레이션 후 기록 함수</a:t>
-            </a:r>
-          </a:p>
-        </p:txBody>
-      </p:sp>
-      <p:sp>
-        <p:nvSpPr>
-          <p:cNvPr id="3" name="내용 개체 틀 2">
+              <a:rPr lang="ko-KR" altLang="en-US" dirty="0"/>
+              <a:t>스파이크 함수 설정</a:t>
+            </a:r>
+          </a:p>
+        </p:txBody>
+      </p:sp>
+      <p:pic>
+        <p:nvPicPr>
+          <p:cNvPr id="5" name="내용 개체 틀 4">
             <a:extLst>
               <a:ext uri="{FF2B5EF4-FFF2-40B4-BE49-F238E27FC236}">
-                <a16:creationId xmlns:a16="http://schemas.microsoft.com/office/drawing/2014/main" id="{59AE8656-E987-6CA1-4FCC-E9C8974FF10B}"/>
+                <a16:creationId xmlns:a16="http://schemas.microsoft.com/office/drawing/2014/main" id="{15A6188F-BDA8-8C5F-AB55-BE31AAAC95D1}"/>
               </a:ext>
             </a:extLst>
           </p:cNvPr>
-          <p:cNvSpPr>
-            <a:spLocks noGrp="1"/>
-          </p:cNvSpPr>
+          <p:cNvPicPr>
+            <a:picLocks noGrp="1" noChangeAspect="1"/>
+          </p:cNvPicPr>
           <p:nvPr>
             <p:ph idx="1"/>
           </p:nvPr>
-        </p:nvSpPr>
-        <p:spPr/>
-        <p:txBody>
-          <a:bodyPr/>
-          <a:lstStyle/>
-          <a:p>
-            <a:endParaRPr lang="ko-KR" altLang="en-US"/>
-          </a:p>
-        </p:txBody>
-      </p:sp>
+        </p:nvPicPr>
+        <p:blipFill>
+          <a:blip r:embed="rId2"/>
+          <a:stretch>
+            <a:fillRect/>
+          </a:stretch>
+        </p:blipFill>
+        <p:spPr>
+          <a:xfrm>
+            <a:off x="755650" y="1052736"/>
+            <a:ext cx="5687219" cy="1286054"/>
+          </a:xfrm>
+        </p:spPr>
+      </p:pic>
     </p:spTree>
     <p:extLst>
       <p:ext uri="{BB962C8B-B14F-4D97-AF65-F5344CB8AC3E}">
-        <p14:creationId xmlns:p14="http://schemas.microsoft.com/office/powerpoint/2010/main" val="2470337956"/>
+        <p14:creationId xmlns:p14="http://schemas.microsoft.com/office/powerpoint/2010/main" val="1503626571"/>
       </p:ext>
     </p:extLst>
   </p:cSld>
@@ -5485,7 +6361,7 @@
           <p:cNvPr id="2" name="제목 1">
             <a:extLst>
               <a:ext uri="{FF2B5EF4-FFF2-40B4-BE49-F238E27FC236}">
-                <a16:creationId xmlns:a16="http://schemas.microsoft.com/office/drawing/2014/main" id="{1DFA604B-52D8-7BB3-4C31-6545963519EC}"/>
+                <a16:creationId xmlns:a16="http://schemas.microsoft.com/office/drawing/2014/main" id="{43234F2B-8FBE-B940-A8C5-8837FFECBC43}"/>
               </a:ext>
             </a:extLst>
           </p:cNvPr>
@@ -5502,41 +6378,82 @@
           <a:lstStyle/>
           <a:p>
             <a:r>
-              <a:rPr lang="ko-KR" altLang="en-US" dirty="0"/>
-              <a:t>지도 학습 코드</a:t>
-            </a:r>
-          </a:p>
-        </p:txBody>
-      </p:sp>
-      <p:sp>
-        <p:nvSpPr>
-          <p:cNvPr id="3" name="내용 개체 틀 2">
+              <a:rPr lang="ko-KR" altLang="en-US" sz="3200" dirty="0" err="1"/>
+              <a:t>막전위</a:t>
+            </a:r>
+            <a:r>
+              <a:rPr lang="en-US" altLang="ko-KR" sz="3200" dirty="0"/>
+              <a:t>, </a:t>
+            </a:r>
+            <a:r>
+              <a:rPr lang="ko-KR" altLang="en-US" sz="3200" dirty="0"/>
+              <a:t>스파이크 시뮬레이션 후 기록 함수</a:t>
+            </a:r>
+          </a:p>
+        </p:txBody>
+      </p:sp>
+      <p:pic>
+        <p:nvPicPr>
+          <p:cNvPr id="5" name="내용 개체 틀 4">
             <a:extLst>
               <a:ext uri="{FF2B5EF4-FFF2-40B4-BE49-F238E27FC236}">
-                <a16:creationId xmlns:a16="http://schemas.microsoft.com/office/drawing/2014/main" id="{94E569D3-5C10-0199-597B-D5EECBD7E7F0}"/>
+                <a16:creationId xmlns:a16="http://schemas.microsoft.com/office/drawing/2014/main" id="{0FE1DDBD-50A1-035E-F4C4-62B43BA3025F}"/>
               </a:ext>
             </a:extLst>
           </p:cNvPr>
-          <p:cNvSpPr>
-            <a:spLocks noGrp="1"/>
-          </p:cNvSpPr>
+          <p:cNvPicPr>
+            <a:picLocks noGrp="1" noChangeAspect="1"/>
+          </p:cNvPicPr>
           <p:nvPr>
             <p:ph idx="1"/>
           </p:nvPr>
-        </p:nvSpPr>
-        <p:spPr/>
-        <p:txBody>
-          <a:bodyPr/>
-          <a:lstStyle/>
-          <a:p>
-            <a:endParaRPr lang="ko-KR" altLang="en-US"/>
-          </a:p>
-        </p:txBody>
-      </p:sp>
+        </p:nvPicPr>
+        <p:blipFill rotWithShape="1">
+          <a:blip r:embed="rId2"/>
+          <a:srcRect b="10823"/>
+          <a:stretch/>
+        </p:blipFill>
+        <p:spPr>
+          <a:xfrm>
+            <a:off x="755650" y="1052736"/>
+            <a:ext cx="6649378" cy="4536504"/>
+          </a:xfrm>
+        </p:spPr>
+      </p:pic>
+      <p:pic>
+        <p:nvPicPr>
+          <p:cNvPr id="9" name="그림 8">
+            <a:extLst>
+              <a:ext uri="{FF2B5EF4-FFF2-40B4-BE49-F238E27FC236}">
+                <a16:creationId xmlns:a16="http://schemas.microsoft.com/office/drawing/2014/main" id="{0521D04E-F042-C7EB-AA86-1AC36C2619FD}"/>
+              </a:ext>
+            </a:extLst>
+          </p:cNvPr>
+          <p:cNvPicPr>
+            <a:picLocks noChangeAspect="1"/>
+          </p:cNvPicPr>
+          <p:nvPr/>
+        </p:nvPicPr>
+        <p:blipFill>
+          <a:blip r:embed="rId3"/>
+          <a:stretch>
+            <a:fillRect/>
+          </a:stretch>
+        </p:blipFill>
+        <p:spPr>
+          <a:xfrm>
+            <a:off x="6444208" y="3933056"/>
+            <a:ext cx="2511136" cy="1872208"/>
+          </a:xfrm>
+          <a:prstGeom prst="rect">
+            <a:avLst/>
+          </a:prstGeom>
+        </p:spPr>
+      </p:pic>
     </p:spTree>
     <p:extLst>
       <p:ext uri="{BB962C8B-B14F-4D97-AF65-F5344CB8AC3E}">
-        <p14:creationId xmlns:p14="http://schemas.microsoft.com/office/powerpoint/2010/main" val="2316514195"/>
+        <p14:creationId xmlns:p14="http://schemas.microsoft.com/office/powerpoint/2010/main" val="2470337956"/>
       </p:ext>
     </p:extLst>
   </p:cSld>

--- a/cs semina/06_Serogate-1.pptx
+++ b/cs semina/06_Serogate-1.pptx
@@ -5325,8 +5325,16 @@
           <a:lstStyle/>
           <a:p>
             <a:r>
+              <a:rPr lang="ko-KR" altLang="en-US" dirty="0"/>
+              <a:t>부록</a:t>
+            </a:r>
+            <a:r>
+              <a:rPr lang="en-US" altLang="ko-KR"/>
+              <a:t>. CS </a:t>
+            </a:r>
+            <a:r>
               <a:rPr lang="en-US" altLang="ko-KR" dirty="0"/>
-              <a:t>CS RL Study</a:t>
+              <a:t>RL Study</a:t>
             </a:r>
             <a:endParaRPr lang="ko-KR" altLang="en-US" dirty="0"/>
           </a:p>
@@ -5411,7 +5419,7 @@
             </a:r>
             <a:r>
               <a:rPr lang="ko-KR" altLang="en-US" dirty="0"/>
-              <a:t>진행 중</a:t>
+              <a:t>완료</a:t>
             </a:r>
           </a:p>
         </p:txBody>
